--- a/sdms/images/business/origin/區塊開發：選商機制規劃重點.pptx
+++ b/sdms/images/business/origin/區塊開發：選商機制規劃重點.pptx
@@ -4698,42 +4698,6 @@
             </a:p>
           </p:txBody>
         </p:sp>
-        <p:pic>
-          <p:nvPicPr>
-            <p:cNvPr id="25" name="圖片 24">
-              <a:extLst>
-                <a:ext uri="{FF2B5EF4-FFF2-40B4-BE49-F238E27FC236}">
-                  <a16:creationId xmlns:a16="http://schemas.microsoft.com/office/drawing/2014/main" id="{BF9875B0-A0A0-4CF5-8A62-4CA45B412623}"/>
-                </a:ext>
-              </a:extLst>
-            </p:cNvPr>
-            <p:cNvPicPr>
-              <a:picLocks noChangeAspect="1"/>
-            </p:cNvPicPr>
-            <p:nvPr/>
-          </p:nvPicPr>
-          <p:blipFill>
-            <a:blip r:embed="rId2">
-              <a:extLst>
-                <a:ext uri="{28A0092B-C50C-407E-A947-70E740481C1C}">
-                  <a14:useLocalDpi xmlns:a14="http://schemas.microsoft.com/office/drawing/2010/main" val="0"/>
-                </a:ext>
-              </a:extLst>
-            </a:blip>
-            <a:stretch>
-              <a:fillRect/>
-            </a:stretch>
-          </p:blipFill>
-          <p:spPr>
-            <a:xfrm>
-              <a:off x="8602195" y="5346183"/>
-              <a:ext cx="2065805" cy="548331"/>
-            </a:xfrm>
-            <a:prstGeom prst="rect">
-              <a:avLst/>
-            </a:prstGeom>
-          </p:spPr>
-        </p:pic>
         <p:sp>
           <p:nvSpPr>
             <p:cNvPr id="3" name="等腰三角形 2">

--- a/sdms/images/business/origin/區塊開發：選商機制規劃重點.pptx
+++ b/sdms/images/business/origin/區塊開發：選商機制規劃重點.pptx
@@ -6,6 +6,7 @@
   </p:sldMasterIdLst>
   <p:sldIdLst>
     <p:sldId id="256" r:id="rId2"/>
+    <p:sldId id="257" r:id="rId3"/>
   </p:sldIdLst>
   <p:sldSz cx="12192000" cy="6858000"/>
   <p:notesSz cx="6858000" cy="9144000"/>
@@ -259,7 +260,7 @@
           <a:p>
             <a:fld id="{A5D28F87-D6D2-48E6-9A29-01ADEF7F2B52}" type="datetimeFigureOut">
               <a:rPr lang="zh-TW" altLang="en-US" smtClean="0"/>
-              <a:t>2023/2/4</a:t>
+              <a:t>2023/7/7</a:t>
             </a:fld>
             <a:endParaRPr lang="zh-TW" altLang="en-US"/>
           </a:p>
@@ -457,7 +458,7 @@
           <a:p>
             <a:fld id="{A5D28F87-D6D2-48E6-9A29-01ADEF7F2B52}" type="datetimeFigureOut">
               <a:rPr lang="zh-TW" altLang="en-US" smtClean="0"/>
-              <a:t>2023/2/4</a:t>
+              <a:t>2023/7/7</a:t>
             </a:fld>
             <a:endParaRPr lang="zh-TW" altLang="en-US"/>
           </a:p>
@@ -665,7 +666,7 @@
           <a:p>
             <a:fld id="{A5D28F87-D6D2-48E6-9A29-01ADEF7F2B52}" type="datetimeFigureOut">
               <a:rPr lang="zh-TW" altLang="en-US" smtClean="0"/>
-              <a:t>2023/2/4</a:t>
+              <a:t>2023/7/7</a:t>
             </a:fld>
             <a:endParaRPr lang="zh-TW" altLang="en-US"/>
           </a:p>
@@ -863,7 +864,7 @@
           <a:p>
             <a:fld id="{A5D28F87-D6D2-48E6-9A29-01ADEF7F2B52}" type="datetimeFigureOut">
               <a:rPr lang="zh-TW" altLang="en-US" smtClean="0"/>
-              <a:t>2023/2/4</a:t>
+              <a:t>2023/7/7</a:t>
             </a:fld>
             <a:endParaRPr lang="zh-TW" altLang="en-US"/>
           </a:p>
@@ -1138,7 +1139,7 @@
           <a:p>
             <a:fld id="{A5D28F87-D6D2-48E6-9A29-01ADEF7F2B52}" type="datetimeFigureOut">
               <a:rPr lang="zh-TW" altLang="en-US" smtClean="0"/>
-              <a:t>2023/2/4</a:t>
+              <a:t>2023/7/7</a:t>
             </a:fld>
             <a:endParaRPr lang="zh-TW" altLang="en-US"/>
           </a:p>
@@ -1403,7 +1404,7 @@
           <a:p>
             <a:fld id="{A5D28F87-D6D2-48E6-9A29-01ADEF7F2B52}" type="datetimeFigureOut">
               <a:rPr lang="zh-TW" altLang="en-US" smtClean="0"/>
-              <a:t>2023/2/4</a:t>
+              <a:t>2023/7/7</a:t>
             </a:fld>
             <a:endParaRPr lang="zh-TW" altLang="en-US"/>
           </a:p>
@@ -1815,7 +1816,7 @@
           <a:p>
             <a:fld id="{A5D28F87-D6D2-48E6-9A29-01ADEF7F2B52}" type="datetimeFigureOut">
               <a:rPr lang="zh-TW" altLang="en-US" smtClean="0"/>
-              <a:t>2023/2/4</a:t>
+              <a:t>2023/7/7</a:t>
             </a:fld>
             <a:endParaRPr lang="zh-TW" altLang="en-US"/>
           </a:p>
@@ -1956,7 +1957,7 @@
           <a:p>
             <a:fld id="{A5D28F87-D6D2-48E6-9A29-01ADEF7F2B52}" type="datetimeFigureOut">
               <a:rPr lang="zh-TW" altLang="en-US" smtClean="0"/>
-              <a:t>2023/2/4</a:t>
+              <a:t>2023/7/7</a:t>
             </a:fld>
             <a:endParaRPr lang="zh-TW" altLang="en-US"/>
           </a:p>
@@ -2069,7 +2070,7 @@
           <a:p>
             <a:fld id="{A5D28F87-D6D2-48E6-9A29-01ADEF7F2B52}" type="datetimeFigureOut">
               <a:rPr lang="zh-TW" altLang="en-US" smtClean="0"/>
-              <a:t>2023/2/4</a:t>
+              <a:t>2023/7/7</a:t>
             </a:fld>
             <a:endParaRPr lang="zh-TW" altLang="en-US"/>
           </a:p>
@@ -2380,7 +2381,7 @@
           <a:p>
             <a:fld id="{A5D28F87-D6D2-48E6-9A29-01ADEF7F2B52}" type="datetimeFigureOut">
               <a:rPr lang="zh-TW" altLang="en-US" smtClean="0"/>
-              <a:t>2023/2/4</a:t>
+              <a:t>2023/7/7</a:t>
             </a:fld>
             <a:endParaRPr lang="zh-TW" altLang="en-US"/>
           </a:p>
@@ -2668,7 +2669,7 @@
           <a:p>
             <a:fld id="{A5D28F87-D6D2-48E6-9A29-01ADEF7F2B52}" type="datetimeFigureOut">
               <a:rPr lang="zh-TW" altLang="en-US" smtClean="0"/>
-              <a:t>2023/2/4</a:t>
+              <a:t>2023/7/7</a:t>
             </a:fld>
             <a:endParaRPr lang="zh-TW" altLang="en-US"/>
           </a:p>
@@ -2909,7 +2910,7 @@
           <a:p>
             <a:fld id="{A5D28F87-D6D2-48E6-9A29-01ADEF7F2B52}" type="datetimeFigureOut">
               <a:rPr lang="zh-TW" altLang="en-US" smtClean="0"/>
-              <a:t>2023/2/4</a:t>
+              <a:t>2023/7/7</a:t>
             </a:fld>
             <a:endParaRPr lang="zh-TW" altLang="en-US"/>
           </a:p>
@@ -5124,6 +5125,1545 @@
 </p:sld>
 </file>
 
+<file path=ppt/slides/slide2.xml><?xml version="1.0" encoding="utf-8"?>
+<p:sld xmlns:a="http://schemas.openxmlformats.org/drawingml/2006/main" xmlns:r="http://schemas.openxmlformats.org/officeDocument/2006/relationships" xmlns:p="http://schemas.openxmlformats.org/presentationml/2006/main">
+  <p:cSld>
+    <p:spTree>
+      <p:nvGrpSpPr>
+        <p:cNvPr id="1" name=""/>
+        <p:cNvGrpSpPr/>
+        <p:nvPr/>
+      </p:nvGrpSpPr>
+      <p:grpSpPr>
+        <a:xfrm>
+          <a:off x="0" y="0"/>
+          <a:ext cx="0" cy="0"/>
+          <a:chOff x="0" y="0"/>
+          <a:chExt cx="0" cy="0"/>
+        </a:xfrm>
+      </p:grpSpPr>
+      <p:sp>
+        <p:nvSpPr>
+          <p:cNvPr id="4" name="文字方塊 3">
+            <a:extLst>
+              <a:ext uri="{FF2B5EF4-FFF2-40B4-BE49-F238E27FC236}">
+                <a16:creationId xmlns:a16="http://schemas.microsoft.com/office/drawing/2014/main" id="{DA445276-A606-487C-95B1-62A1055A4EF3}"/>
+              </a:ext>
+            </a:extLst>
+          </p:cNvPr>
+          <p:cNvSpPr txBox="1"/>
+          <p:nvPr/>
+        </p:nvSpPr>
+        <p:spPr>
+          <a:xfrm>
+            <a:off x="914400" y="440266"/>
+            <a:ext cx="7499169" cy="523220"/>
+          </a:xfrm>
+          <a:prstGeom prst="rect">
+            <a:avLst/>
+          </a:prstGeom>
+          <a:noFill/>
+        </p:spPr>
+        <p:txBody>
+          <a:bodyPr wrap="none" rtlCol="0">
+            <a:spAutoFit/>
+          </a:bodyPr>
+          <a:lstStyle/>
+          <a:p>
+            <a:r>
+              <a:rPr lang="zh-TW" altLang="en-US" sz="2800" b="1" dirty="0">
+                <a:latin typeface="微軟正黑體" panose="020B0604030504040204" pitchFamily="34" charset="-120"/>
+                <a:ea typeface="微軟正黑體" panose="020B0604030504040204" pitchFamily="34" charset="-120"/>
+              </a:rPr>
+              <a:t>區塊開發：選商機制規劃重點</a:t>
+            </a:r>
+            <a:r>
+              <a:rPr lang="en-US" altLang="zh-TW" sz="2800" b="1" dirty="0">
+                <a:latin typeface="微軟正黑體" panose="020B0604030504040204" pitchFamily="34" charset="-120"/>
+                <a:ea typeface="微軟正黑體" panose="020B0604030504040204" pitchFamily="34" charset="-120"/>
+              </a:rPr>
+              <a:t>(112.07.07</a:t>
+            </a:r>
+            <a:r>
+              <a:rPr lang="zh-TW" altLang="en-US" sz="2800" b="1" dirty="0">
+                <a:latin typeface="微軟正黑體" panose="020B0604030504040204" pitchFamily="34" charset="-120"/>
+                <a:ea typeface="微軟正黑體" panose="020B0604030504040204" pitchFamily="34" charset="-120"/>
+              </a:rPr>
+              <a:t>更新</a:t>
+            </a:r>
+            <a:r>
+              <a:rPr lang="en-US" altLang="zh-TW" sz="2800" b="1" dirty="0">
+                <a:latin typeface="微軟正黑體" panose="020B0604030504040204" pitchFamily="34" charset="-120"/>
+                <a:ea typeface="微軟正黑體" panose="020B0604030504040204" pitchFamily="34" charset="-120"/>
+              </a:rPr>
+              <a:t>)</a:t>
+            </a:r>
+            <a:endParaRPr lang="zh-TW" altLang="en-US" sz="2800" b="1" dirty="0">
+              <a:latin typeface="微軟正黑體" panose="020B0604030504040204" pitchFamily="34" charset="-120"/>
+              <a:ea typeface="微軟正黑體" panose="020B0604030504040204" pitchFamily="34" charset="-120"/>
+            </a:endParaRPr>
+          </a:p>
+        </p:txBody>
+      </p:sp>
+      <p:sp>
+        <p:nvSpPr>
+          <p:cNvPr id="5" name="文字方塊 4">
+            <a:extLst>
+              <a:ext uri="{FF2B5EF4-FFF2-40B4-BE49-F238E27FC236}">
+                <a16:creationId xmlns:a16="http://schemas.microsoft.com/office/drawing/2014/main" id="{E48B2D43-0518-400B-82C2-FC6CAD985588}"/>
+              </a:ext>
+            </a:extLst>
+          </p:cNvPr>
+          <p:cNvSpPr txBox="1"/>
+          <p:nvPr/>
+        </p:nvSpPr>
+        <p:spPr>
+          <a:xfrm>
+            <a:off x="7298269" y="56440"/>
+            <a:ext cx="646331" cy="369332"/>
+          </a:xfrm>
+          <a:prstGeom prst="rect">
+            <a:avLst/>
+          </a:prstGeom>
+          <a:noFill/>
+        </p:spPr>
+        <p:txBody>
+          <a:bodyPr wrap="none" rtlCol="0">
+            <a:spAutoFit/>
+          </a:bodyPr>
+          <a:lstStyle/>
+          <a:p>
+            <a:pPr marL="457200" indent="-457200">
+              <a:buFont typeface="Arial" panose="020B0604020202020204" pitchFamily="34" charset="0"/>
+              <a:buChar char="•"/>
+            </a:pPr>
+            <a:endParaRPr lang="zh-TW" altLang="en-US" b="1" dirty="0">
+              <a:latin typeface="微軟正黑體" panose="020B0604030504040204" pitchFamily="34" charset="-120"/>
+              <a:ea typeface="微軟正黑體" panose="020B0604030504040204" pitchFamily="34" charset="-120"/>
+            </a:endParaRPr>
+          </a:p>
+        </p:txBody>
+      </p:sp>
+      <p:grpSp>
+        <p:nvGrpSpPr>
+          <p:cNvPr id="41" name="群組 40">
+            <a:extLst>
+              <a:ext uri="{FF2B5EF4-FFF2-40B4-BE49-F238E27FC236}">
+                <a16:creationId xmlns:a16="http://schemas.microsoft.com/office/drawing/2014/main" id="{EE7F1B8A-87D5-47DD-850E-C8B5C59BD245}"/>
+              </a:ext>
+            </a:extLst>
+          </p:cNvPr>
+          <p:cNvGrpSpPr/>
+          <p:nvPr/>
+        </p:nvGrpSpPr>
+        <p:grpSpPr>
+          <a:xfrm>
+            <a:off x="982133" y="931908"/>
+            <a:ext cx="9685867" cy="4330374"/>
+            <a:chOff x="982133" y="931908"/>
+            <a:chExt cx="9685867" cy="4330374"/>
+          </a:xfrm>
+        </p:grpSpPr>
+        <p:sp>
+          <p:nvSpPr>
+            <p:cNvPr id="6" name="矩形: 圓角 5">
+              <a:extLst>
+                <a:ext uri="{FF2B5EF4-FFF2-40B4-BE49-F238E27FC236}">
+                  <a16:creationId xmlns:a16="http://schemas.microsoft.com/office/drawing/2014/main" id="{D51B533E-9F3D-4515-A38B-32306805B738}"/>
+                </a:ext>
+              </a:extLst>
+            </p:cNvPr>
+            <p:cNvSpPr/>
+            <p:nvPr/>
+          </p:nvSpPr>
+          <p:spPr>
+            <a:xfrm>
+              <a:off x="982133" y="1727200"/>
+              <a:ext cx="5960534" cy="736600"/>
+            </a:xfrm>
+            <a:prstGeom prst="roundRect">
+              <a:avLst/>
+            </a:prstGeom>
+            <a:solidFill>
+              <a:srgbClr val="FFC000"/>
+            </a:solidFill>
+            <a:ln>
+              <a:noFill/>
+            </a:ln>
+          </p:spPr>
+          <p:style>
+            <a:lnRef idx="2">
+              <a:schemeClr val="accent1">
+                <a:shade val="50000"/>
+              </a:schemeClr>
+            </a:lnRef>
+            <a:fillRef idx="1">
+              <a:schemeClr val="accent1"/>
+            </a:fillRef>
+            <a:effectRef idx="0">
+              <a:schemeClr val="accent1"/>
+            </a:effectRef>
+            <a:fontRef idx="minor">
+              <a:schemeClr val="lt1"/>
+            </a:fontRef>
+          </p:style>
+          <p:txBody>
+            <a:bodyPr rtlCol="0" anchor="ctr"/>
+            <a:lstStyle/>
+            <a:p>
+              <a:pPr algn="ctr"/>
+              <a:r>
+                <a:rPr lang="zh-TW" altLang="en-US" b="1" dirty="0">
+                  <a:solidFill>
+                    <a:schemeClr val="tx1">
+                      <a:lumMod val="65000"/>
+                      <a:lumOff val="35000"/>
+                    </a:schemeClr>
+                  </a:solidFill>
+                  <a:latin typeface="微軟正黑體" panose="020B0604030504040204" pitchFamily="34" charset="-120"/>
+                  <a:ea typeface="微軟正黑體" panose="020B0604030504040204" pitchFamily="34" charset="-120"/>
+                </a:rPr>
+                <a:t>第一階段 </a:t>
+              </a:r>
+              <a:r>
+                <a:rPr lang="en-US" altLang="zh-TW" b="1" dirty="0">
+                  <a:solidFill>
+                    <a:schemeClr val="tx1">
+                      <a:lumMod val="65000"/>
+                      <a:lumOff val="35000"/>
+                    </a:schemeClr>
+                  </a:solidFill>
+                  <a:latin typeface="微軟正黑體" panose="020B0604030504040204" pitchFamily="34" charset="-120"/>
+                  <a:ea typeface="微軟正黑體" panose="020B0604030504040204" pitchFamily="34" charset="-120"/>
+                </a:rPr>
+                <a:t>(</a:t>
+              </a:r>
+              <a:r>
+                <a:rPr lang="zh-TW" altLang="en-US" b="1" dirty="0">
+                  <a:solidFill>
+                    <a:schemeClr val="tx1">
+                      <a:lumMod val="65000"/>
+                      <a:lumOff val="35000"/>
+                    </a:schemeClr>
+                  </a:solidFill>
+                  <a:latin typeface="微軟正黑體" panose="020B0604030504040204" pitchFamily="34" charset="-120"/>
+                  <a:ea typeface="微軟正黑體" panose="020B0604030504040204" pitchFamily="34" charset="-120"/>
+                </a:rPr>
+                <a:t>分年分期辦理</a:t>
+              </a:r>
+              <a:r>
+                <a:rPr lang="en-US" altLang="zh-TW" b="1" dirty="0">
+                  <a:solidFill>
+                    <a:schemeClr val="tx1">
+                      <a:lumMod val="65000"/>
+                      <a:lumOff val="35000"/>
+                    </a:schemeClr>
+                  </a:solidFill>
+                  <a:latin typeface="微軟正黑體" panose="020B0604030504040204" pitchFamily="34" charset="-120"/>
+                  <a:ea typeface="微軟正黑體" panose="020B0604030504040204" pitchFamily="34" charset="-120"/>
+                </a:rPr>
+                <a:t>)</a:t>
+              </a:r>
+            </a:p>
+            <a:p>
+              <a:pPr algn="ctr"/>
+              <a:r>
+                <a:rPr lang="en-US" altLang="zh-TW" b="1" dirty="0">
+                  <a:solidFill>
+                    <a:schemeClr val="tx1">
+                      <a:lumMod val="65000"/>
+                      <a:lumOff val="35000"/>
+                    </a:schemeClr>
+                  </a:solidFill>
+                  <a:latin typeface="微軟正黑體" panose="020B0604030504040204" pitchFamily="34" charset="-120"/>
+                  <a:ea typeface="微軟正黑體" panose="020B0604030504040204" pitchFamily="34" charset="-120"/>
+                </a:rPr>
+                <a:t>2026~2031</a:t>
+              </a:r>
+              <a:r>
+                <a:rPr lang="zh-TW" altLang="en-US" b="1" dirty="0">
+                  <a:solidFill>
+                    <a:schemeClr val="tx1">
+                      <a:lumMod val="65000"/>
+                      <a:lumOff val="35000"/>
+                    </a:schemeClr>
+                  </a:solidFill>
+                  <a:latin typeface="微軟正黑體" panose="020B0604030504040204" pitchFamily="34" charset="-120"/>
+                  <a:ea typeface="微軟正黑體" panose="020B0604030504040204" pitchFamily="34" charset="-120"/>
+                </a:rPr>
+                <a:t>年 釋出容量 </a:t>
+              </a:r>
+              <a:r>
+                <a:rPr lang="en-US" altLang="zh-TW" b="1" dirty="0">
+                  <a:solidFill>
+                    <a:schemeClr val="tx1">
+                      <a:lumMod val="65000"/>
+                      <a:lumOff val="35000"/>
+                    </a:schemeClr>
+                  </a:solidFill>
+                  <a:latin typeface="微軟正黑體" panose="020B0604030504040204" pitchFamily="34" charset="-120"/>
+                  <a:ea typeface="微軟正黑體" panose="020B0604030504040204" pitchFamily="34" charset="-120"/>
+                </a:rPr>
+                <a:t>9</a:t>
+              </a:r>
+              <a:r>
+                <a:rPr lang="zh-TW" altLang="en-US" b="1" dirty="0">
+                  <a:solidFill>
+                    <a:schemeClr val="tx1">
+                      <a:lumMod val="65000"/>
+                      <a:lumOff val="35000"/>
+                    </a:schemeClr>
+                  </a:solidFill>
+                  <a:latin typeface="微軟正黑體" panose="020B0604030504040204" pitchFamily="34" charset="-120"/>
+                  <a:ea typeface="微軟正黑體" panose="020B0604030504040204" pitchFamily="34" charset="-120"/>
+                </a:rPr>
+                <a:t> </a:t>
+              </a:r>
+              <a:r>
+                <a:rPr lang="en-US" altLang="zh-TW" b="1" dirty="0">
+                  <a:solidFill>
+                    <a:schemeClr val="tx1">
+                      <a:lumMod val="65000"/>
+                      <a:lumOff val="35000"/>
+                    </a:schemeClr>
+                  </a:solidFill>
+                  <a:latin typeface="微軟正黑體" panose="020B0604030504040204" pitchFamily="34" charset="-120"/>
+                  <a:ea typeface="微軟正黑體" panose="020B0604030504040204" pitchFamily="34" charset="-120"/>
+                </a:rPr>
+                <a:t>GW</a:t>
+              </a:r>
+              <a:endParaRPr lang="zh-TW" altLang="en-US" b="1" dirty="0">
+                <a:solidFill>
+                  <a:schemeClr val="tx1">
+                    <a:lumMod val="65000"/>
+                    <a:lumOff val="35000"/>
+                  </a:schemeClr>
+                </a:solidFill>
+                <a:latin typeface="微軟正黑體" panose="020B0604030504040204" pitchFamily="34" charset="-120"/>
+                <a:ea typeface="微軟正黑體" panose="020B0604030504040204" pitchFamily="34" charset="-120"/>
+              </a:endParaRPr>
+            </a:p>
+          </p:txBody>
+        </p:sp>
+        <p:sp>
+          <p:nvSpPr>
+            <p:cNvPr id="8" name="矩形: 圓角 7">
+              <a:extLst>
+                <a:ext uri="{FF2B5EF4-FFF2-40B4-BE49-F238E27FC236}">
+                  <a16:creationId xmlns:a16="http://schemas.microsoft.com/office/drawing/2014/main" id="{4F93461D-A53B-4A44-AAC7-5BD9F7EC65C3}"/>
+                </a:ext>
+              </a:extLst>
+            </p:cNvPr>
+            <p:cNvSpPr/>
+            <p:nvPr/>
+          </p:nvSpPr>
+          <p:spPr>
+            <a:xfrm>
+              <a:off x="7120467" y="1727200"/>
+              <a:ext cx="3547533" cy="3535082"/>
+            </a:xfrm>
+            <a:prstGeom prst="roundRect">
+              <a:avLst>
+                <a:gd name="adj" fmla="val 5548"/>
+              </a:avLst>
+            </a:prstGeom>
+            <a:solidFill>
+              <a:srgbClr val="FFC000"/>
+            </a:solidFill>
+            <a:ln>
+              <a:noFill/>
+            </a:ln>
+          </p:spPr>
+          <p:style>
+            <a:lnRef idx="2">
+              <a:schemeClr val="accent1">
+                <a:shade val="50000"/>
+              </a:schemeClr>
+            </a:lnRef>
+            <a:fillRef idx="1">
+              <a:schemeClr val="accent1"/>
+            </a:fillRef>
+            <a:effectRef idx="0">
+              <a:schemeClr val="accent1"/>
+            </a:effectRef>
+            <a:fontRef idx="minor">
+              <a:schemeClr val="lt1"/>
+            </a:fontRef>
+          </p:style>
+          <p:txBody>
+            <a:bodyPr rtlCol="0" anchor="ctr"/>
+            <a:lstStyle/>
+            <a:p>
+              <a:pPr algn="ctr"/>
+              <a:r>
+                <a:rPr lang="zh-TW" altLang="en-US" b="1" dirty="0">
+                  <a:solidFill>
+                    <a:schemeClr val="tx1">
+                      <a:lumMod val="65000"/>
+                      <a:lumOff val="35000"/>
+                    </a:schemeClr>
+                  </a:solidFill>
+                  <a:latin typeface="微軟正黑體" panose="020B0604030504040204" pitchFamily="34" charset="-120"/>
+                  <a:ea typeface="微軟正黑體" panose="020B0604030504040204" pitchFamily="34" charset="-120"/>
+                </a:rPr>
+                <a:t>第二階段</a:t>
+              </a:r>
+              <a:endParaRPr lang="en-US" altLang="zh-TW" b="1" dirty="0">
+                <a:solidFill>
+                  <a:schemeClr val="tx1">
+                    <a:lumMod val="65000"/>
+                    <a:lumOff val="35000"/>
+                  </a:schemeClr>
+                </a:solidFill>
+                <a:latin typeface="微軟正黑體" panose="020B0604030504040204" pitchFamily="34" charset="-120"/>
+                <a:ea typeface="微軟正黑體" panose="020B0604030504040204" pitchFamily="34" charset="-120"/>
+              </a:endParaRPr>
+            </a:p>
+            <a:p>
+              <a:pPr algn="ctr"/>
+              <a:r>
+                <a:rPr lang="en-US" altLang="zh-TW" b="1" dirty="0">
+                  <a:solidFill>
+                    <a:schemeClr val="tx1">
+                      <a:lumMod val="65000"/>
+                      <a:lumOff val="35000"/>
+                    </a:schemeClr>
+                  </a:solidFill>
+                  <a:latin typeface="微軟正黑體" panose="020B0604030504040204" pitchFamily="34" charset="-120"/>
+                  <a:ea typeface="微軟正黑體" panose="020B0604030504040204" pitchFamily="34" charset="-120"/>
+                </a:rPr>
+                <a:t>2032~2035</a:t>
+              </a:r>
+              <a:r>
+                <a:rPr lang="zh-TW" altLang="en-US" b="1" dirty="0">
+                  <a:solidFill>
+                    <a:schemeClr val="tx1">
+                      <a:lumMod val="65000"/>
+                      <a:lumOff val="35000"/>
+                    </a:schemeClr>
+                  </a:solidFill>
+                  <a:latin typeface="微軟正黑體" panose="020B0604030504040204" pitchFamily="34" charset="-120"/>
+                  <a:ea typeface="微軟正黑體" panose="020B0604030504040204" pitchFamily="34" charset="-120"/>
+                </a:rPr>
+                <a:t>年 釋出容量 </a:t>
+              </a:r>
+              <a:r>
+                <a:rPr lang="en-US" altLang="zh-TW" b="1" dirty="0">
+                  <a:solidFill>
+                    <a:schemeClr val="tx1">
+                      <a:lumMod val="65000"/>
+                      <a:lumOff val="35000"/>
+                    </a:schemeClr>
+                  </a:solidFill>
+                  <a:latin typeface="微軟正黑體" panose="020B0604030504040204" pitchFamily="34" charset="-120"/>
+                  <a:ea typeface="微軟正黑體" panose="020B0604030504040204" pitchFamily="34" charset="-120"/>
+                </a:rPr>
+                <a:t>6</a:t>
+              </a:r>
+              <a:r>
+                <a:rPr lang="zh-TW" altLang="en-US" b="1" dirty="0">
+                  <a:solidFill>
+                    <a:schemeClr val="tx1">
+                      <a:lumMod val="65000"/>
+                      <a:lumOff val="35000"/>
+                    </a:schemeClr>
+                  </a:solidFill>
+                  <a:latin typeface="微軟正黑體" panose="020B0604030504040204" pitchFamily="34" charset="-120"/>
+                  <a:ea typeface="微軟正黑體" panose="020B0604030504040204" pitchFamily="34" charset="-120"/>
+                </a:rPr>
+                <a:t> </a:t>
+              </a:r>
+              <a:r>
+                <a:rPr lang="en-US" altLang="zh-TW" b="1" dirty="0">
+                  <a:solidFill>
+                    <a:schemeClr val="tx1">
+                      <a:lumMod val="65000"/>
+                      <a:lumOff val="35000"/>
+                    </a:schemeClr>
+                  </a:solidFill>
+                  <a:latin typeface="微軟正黑體" panose="020B0604030504040204" pitchFamily="34" charset="-120"/>
+                  <a:ea typeface="微軟正黑體" panose="020B0604030504040204" pitchFamily="34" charset="-120"/>
+                </a:rPr>
+                <a:t>GW</a:t>
+              </a:r>
+              <a:endParaRPr lang="zh-TW" altLang="en-US" b="1" dirty="0">
+                <a:solidFill>
+                  <a:schemeClr val="tx1">
+                    <a:lumMod val="65000"/>
+                    <a:lumOff val="35000"/>
+                  </a:schemeClr>
+                </a:solidFill>
+                <a:latin typeface="微軟正黑體" panose="020B0604030504040204" pitchFamily="34" charset="-120"/>
+                <a:ea typeface="微軟正黑體" panose="020B0604030504040204" pitchFamily="34" charset="-120"/>
+              </a:endParaRPr>
+            </a:p>
+          </p:txBody>
+        </p:sp>
+        <p:sp>
+          <p:nvSpPr>
+            <p:cNvPr id="12" name="矩形: 圓角 11">
+              <a:extLst>
+                <a:ext uri="{FF2B5EF4-FFF2-40B4-BE49-F238E27FC236}">
+                  <a16:creationId xmlns:a16="http://schemas.microsoft.com/office/drawing/2014/main" id="{4FA3F3FB-1F4C-4BE2-96D8-10CA7B984D90}"/>
+                </a:ext>
+              </a:extLst>
+            </p:cNvPr>
+            <p:cNvSpPr/>
+            <p:nvPr/>
+          </p:nvSpPr>
+          <p:spPr>
+            <a:xfrm>
+              <a:off x="982133" y="2581184"/>
+              <a:ext cx="5960534" cy="2681098"/>
+            </a:xfrm>
+            <a:prstGeom prst="roundRect">
+              <a:avLst>
+                <a:gd name="adj" fmla="val 5248"/>
+              </a:avLst>
+            </a:prstGeom>
+            <a:solidFill>
+              <a:schemeClr val="accent5">
+                <a:lumMod val="50000"/>
+              </a:schemeClr>
+            </a:solidFill>
+            <a:ln>
+              <a:noFill/>
+            </a:ln>
+          </p:spPr>
+          <p:style>
+            <a:lnRef idx="2">
+              <a:schemeClr val="accent1">
+                <a:shade val="50000"/>
+              </a:schemeClr>
+            </a:lnRef>
+            <a:fillRef idx="1">
+              <a:schemeClr val="accent1"/>
+            </a:fillRef>
+            <a:effectRef idx="0">
+              <a:schemeClr val="accent1"/>
+            </a:effectRef>
+            <a:fontRef idx="minor">
+              <a:schemeClr val="lt1"/>
+            </a:fontRef>
+          </p:style>
+          <p:txBody>
+            <a:bodyPr rtlCol="0" anchor="ctr"/>
+            <a:lstStyle/>
+            <a:p>
+              <a:pPr algn="ctr"/>
+              <a:endParaRPr lang="zh-TW" altLang="en-US" b="1" dirty="0">
+                <a:latin typeface="微軟正黑體" panose="020B0604030504040204" pitchFamily="34" charset="-120"/>
+                <a:ea typeface="微軟正黑體" panose="020B0604030504040204" pitchFamily="34" charset="-120"/>
+              </a:endParaRPr>
+            </a:p>
+          </p:txBody>
+        </p:sp>
+        <p:sp>
+          <p:nvSpPr>
+            <p:cNvPr id="13" name="矩形: 圓角 12">
+              <a:extLst>
+                <a:ext uri="{FF2B5EF4-FFF2-40B4-BE49-F238E27FC236}">
+                  <a16:creationId xmlns:a16="http://schemas.microsoft.com/office/drawing/2014/main" id="{DAE7C9DB-13D4-4C34-9E77-9CD19EAE58A3}"/>
+                </a:ext>
+              </a:extLst>
+            </p:cNvPr>
+            <p:cNvSpPr/>
+            <p:nvPr/>
+          </p:nvSpPr>
+          <p:spPr>
+            <a:xfrm>
+              <a:off x="1126066" y="3039533"/>
+              <a:ext cx="1755023" cy="1747620"/>
+            </a:xfrm>
+            <a:prstGeom prst="roundRect">
+              <a:avLst/>
+            </a:prstGeom>
+            <a:solidFill>
+              <a:schemeClr val="bg1"/>
+            </a:solidFill>
+            <a:ln>
+              <a:noFill/>
+            </a:ln>
+          </p:spPr>
+          <p:style>
+            <a:lnRef idx="2">
+              <a:schemeClr val="accent1">
+                <a:shade val="50000"/>
+              </a:schemeClr>
+            </a:lnRef>
+            <a:fillRef idx="1">
+              <a:schemeClr val="accent1"/>
+            </a:fillRef>
+            <a:effectRef idx="0">
+              <a:schemeClr val="accent1"/>
+            </a:effectRef>
+            <a:fontRef idx="minor">
+              <a:schemeClr val="lt1"/>
+            </a:fontRef>
+          </p:style>
+          <p:txBody>
+            <a:bodyPr rtlCol="0" anchor="ctr"/>
+            <a:lstStyle/>
+            <a:p>
+              <a:pPr algn="ctr"/>
+              <a:endParaRPr lang="zh-TW" altLang="en-US" b="1" dirty="0">
+                <a:latin typeface="微軟正黑體" panose="020B0604030504040204" pitchFamily="34" charset="-120"/>
+                <a:ea typeface="微軟正黑體" panose="020B0604030504040204" pitchFamily="34" charset="-120"/>
+              </a:endParaRPr>
+            </a:p>
+          </p:txBody>
+        </p:sp>
+        <p:sp>
+          <p:nvSpPr>
+            <p:cNvPr id="14" name="矩形: 圓角 13">
+              <a:extLst>
+                <a:ext uri="{FF2B5EF4-FFF2-40B4-BE49-F238E27FC236}">
+                  <a16:creationId xmlns:a16="http://schemas.microsoft.com/office/drawing/2014/main" id="{C176724A-8A40-4DD6-89AD-F405F901CC12}"/>
+                </a:ext>
+              </a:extLst>
+            </p:cNvPr>
+            <p:cNvSpPr/>
+            <p:nvPr/>
+          </p:nvSpPr>
+          <p:spPr>
+            <a:xfrm>
+              <a:off x="3084888" y="3039533"/>
+              <a:ext cx="1755023" cy="1747620"/>
+            </a:xfrm>
+            <a:prstGeom prst="roundRect">
+              <a:avLst/>
+            </a:prstGeom>
+            <a:solidFill>
+              <a:schemeClr val="bg1"/>
+            </a:solidFill>
+            <a:ln>
+              <a:noFill/>
+            </a:ln>
+          </p:spPr>
+          <p:style>
+            <a:lnRef idx="2">
+              <a:schemeClr val="accent1">
+                <a:shade val="50000"/>
+              </a:schemeClr>
+            </a:lnRef>
+            <a:fillRef idx="1">
+              <a:schemeClr val="accent1"/>
+            </a:fillRef>
+            <a:effectRef idx="0">
+              <a:schemeClr val="accent1"/>
+            </a:effectRef>
+            <a:fontRef idx="minor">
+              <a:schemeClr val="lt1"/>
+            </a:fontRef>
+          </p:style>
+          <p:txBody>
+            <a:bodyPr rtlCol="0" anchor="ctr"/>
+            <a:lstStyle/>
+            <a:p>
+              <a:pPr algn="ctr"/>
+              <a:endParaRPr lang="zh-TW" altLang="en-US" b="1" dirty="0">
+                <a:latin typeface="微軟正黑體" panose="020B0604030504040204" pitchFamily="34" charset="-120"/>
+                <a:ea typeface="微軟正黑體" panose="020B0604030504040204" pitchFamily="34" charset="-120"/>
+              </a:endParaRPr>
+            </a:p>
+          </p:txBody>
+        </p:sp>
+        <p:sp>
+          <p:nvSpPr>
+            <p:cNvPr id="15" name="矩形: 圓角 14">
+              <a:extLst>
+                <a:ext uri="{FF2B5EF4-FFF2-40B4-BE49-F238E27FC236}">
+                  <a16:creationId xmlns:a16="http://schemas.microsoft.com/office/drawing/2014/main" id="{F68DCD90-5842-4078-AA93-E76129C2133D}"/>
+                </a:ext>
+              </a:extLst>
+            </p:cNvPr>
+            <p:cNvSpPr/>
+            <p:nvPr/>
+          </p:nvSpPr>
+          <p:spPr>
+            <a:xfrm>
+              <a:off x="5043711" y="3039533"/>
+              <a:ext cx="1755023" cy="1747620"/>
+            </a:xfrm>
+            <a:prstGeom prst="roundRect">
+              <a:avLst/>
+            </a:prstGeom>
+            <a:solidFill>
+              <a:schemeClr val="bg1"/>
+            </a:solidFill>
+            <a:ln>
+              <a:noFill/>
+            </a:ln>
+          </p:spPr>
+          <p:style>
+            <a:lnRef idx="2">
+              <a:schemeClr val="accent1">
+                <a:shade val="50000"/>
+              </a:schemeClr>
+            </a:lnRef>
+            <a:fillRef idx="1">
+              <a:schemeClr val="accent1"/>
+            </a:fillRef>
+            <a:effectRef idx="0">
+              <a:schemeClr val="accent1"/>
+            </a:effectRef>
+            <a:fontRef idx="minor">
+              <a:schemeClr val="lt1"/>
+            </a:fontRef>
+          </p:style>
+          <p:txBody>
+            <a:bodyPr rtlCol="0" anchor="ctr"/>
+            <a:lstStyle/>
+            <a:p>
+              <a:pPr algn="ctr"/>
+              <a:endParaRPr lang="zh-TW" altLang="en-US" b="1" dirty="0">
+                <a:latin typeface="微軟正黑體" panose="020B0604030504040204" pitchFamily="34" charset="-120"/>
+                <a:ea typeface="微軟正黑體" panose="020B0604030504040204" pitchFamily="34" charset="-120"/>
+              </a:endParaRPr>
+            </a:p>
+          </p:txBody>
+        </p:sp>
+        <p:sp>
+          <p:nvSpPr>
+            <p:cNvPr id="16" name="文字方塊 15">
+              <a:extLst>
+                <a:ext uri="{FF2B5EF4-FFF2-40B4-BE49-F238E27FC236}">
+                  <a16:creationId xmlns:a16="http://schemas.microsoft.com/office/drawing/2014/main" id="{65FD3136-2DB3-48FE-92D2-EFA9DAF8E197}"/>
+                </a:ext>
+              </a:extLst>
+            </p:cNvPr>
+            <p:cNvSpPr txBox="1"/>
+            <p:nvPr/>
+          </p:nvSpPr>
+          <p:spPr>
+            <a:xfrm>
+              <a:off x="1641939" y="3073625"/>
+              <a:ext cx="723275" cy="307777"/>
+            </a:xfrm>
+            <a:prstGeom prst="rect">
+              <a:avLst/>
+            </a:prstGeom>
+            <a:noFill/>
+          </p:spPr>
+          <p:txBody>
+            <a:bodyPr wrap="none" rtlCol="0">
+              <a:spAutoFit/>
+            </a:bodyPr>
+            <a:lstStyle/>
+            <a:p>
+              <a:r>
+                <a:rPr lang="zh-TW" altLang="en-US" sz="1400" b="1" dirty="0">
+                  <a:latin typeface="微軟正黑體" panose="020B0604030504040204" pitchFamily="34" charset="-120"/>
+                  <a:ea typeface="微軟正黑體" panose="020B0604030504040204" pitchFamily="34" charset="-120"/>
+                </a:rPr>
+                <a:t>第一期</a:t>
+              </a:r>
+            </a:p>
+          </p:txBody>
+        </p:sp>
+        <p:sp>
+          <p:nvSpPr>
+            <p:cNvPr id="17" name="文字方塊 16">
+              <a:extLst>
+                <a:ext uri="{FF2B5EF4-FFF2-40B4-BE49-F238E27FC236}">
+                  <a16:creationId xmlns:a16="http://schemas.microsoft.com/office/drawing/2014/main" id="{A38E38C1-06F0-4CB4-862C-6415178A4AD0}"/>
+                </a:ext>
+              </a:extLst>
+            </p:cNvPr>
+            <p:cNvSpPr txBox="1"/>
+            <p:nvPr/>
+          </p:nvSpPr>
+          <p:spPr>
+            <a:xfrm>
+              <a:off x="3600761" y="3073625"/>
+              <a:ext cx="723275" cy="307777"/>
+            </a:xfrm>
+            <a:prstGeom prst="rect">
+              <a:avLst/>
+            </a:prstGeom>
+            <a:noFill/>
+          </p:spPr>
+          <p:txBody>
+            <a:bodyPr wrap="none" rtlCol="0">
+              <a:spAutoFit/>
+            </a:bodyPr>
+            <a:lstStyle/>
+            <a:p>
+              <a:r>
+                <a:rPr lang="zh-TW" altLang="en-US" sz="1400" b="1" dirty="0">
+                  <a:latin typeface="微軟正黑體" panose="020B0604030504040204" pitchFamily="34" charset="-120"/>
+                  <a:ea typeface="微軟正黑體" panose="020B0604030504040204" pitchFamily="34" charset="-120"/>
+                </a:rPr>
+                <a:t>第二期</a:t>
+              </a:r>
+            </a:p>
+          </p:txBody>
+        </p:sp>
+        <p:sp>
+          <p:nvSpPr>
+            <p:cNvPr id="18" name="文字方塊 17">
+              <a:extLst>
+                <a:ext uri="{FF2B5EF4-FFF2-40B4-BE49-F238E27FC236}">
+                  <a16:creationId xmlns:a16="http://schemas.microsoft.com/office/drawing/2014/main" id="{2AC3B4FB-E91B-4E43-BAEF-17F8E0B90B0C}"/>
+                </a:ext>
+              </a:extLst>
+            </p:cNvPr>
+            <p:cNvSpPr txBox="1"/>
+            <p:nvPr/>
+          </p:nvSpPr>
+          <p:spPr>
+            <a:xfrm>
+              <a:off x="5559584" y="3073625"/>
+              <a:ext cx="723275" cy="307777"/>
+            </a:xfrm>
+            <a:prstGeom prst="rect">
+              <a:avLst/>
+            </a:prstGeom>
+            <a:noFill/>
+          </p:spPr>
+          <p:txBody>
+            <a:bodyPr wrap="none" rtlCol="0">
+              <a:spAutoFit/>
+            </a:bodyPr>
+            <a:lstStyle/>
+            <a:p>
+              <a:r>
+                <a:rPr lang="zh-TW" altLang="en-US" sz="1400" b="1" dirty="0">
+                  <a:latin typeface="微軟正黑體" panose="020B0604030504040204" pitchFamily="34" charset="-120"/>
+                  <a:ea typeface="微軟正黑體" panose="020B0604030504040204" pitchFamily="34" charset="-120"/>
+                </a:rPr>
+                <a:t>第三期</a:t>
+              </a:r>
+            </a:p>
+          </p:txBody>
+        </p:sp>
+        <p:sp>
+          <p:nvSpPr>
+            <p:cNvPr id="19" name="文字方塊 18">
+              <a:extLst>
+                <a:ext uri="{FF2B5EF4-FFF2-40B4-BE49-F238E27FC236}">
+                  <a16:creationId xmlns:a16="http://schemas.microsoft.com/office/drawing/2014/main" id="{4FFFFAE5-5EAF-4A5A-AE02-4D432A16F4FA}"/>
+                </a:ext>
+              </a:extLst>
+            </p:cNvPr>
+            <p:cNvSpPr txBox="1"/>
+            <p:nvPr/>
+          </p:nvSpPr>
+          <p:spPr>
+            <a:xfrm>
+              <a:off x="1126066" y="3317783"/>
+              <a:ext cx="1814889" cy="1345368"/>
+            </a:xfrm>
+            <a:prstGeom prst="rect">
+              <a:avLst/>
+            </a:prstGeom>
+            <a:noFill/>
+          </p:spPr>
+          <p:txBody>
+            <a:bodyPr wrap="square" rtlCol="0">
+              <a:spAutoFit/>
+            </a:bodyPr>
+            <a:lstStyle/>
+            <a:p>
+              <a:pPr marL="285750" indent="-285750">
+                <a:lnSpc>
+                  <a:spcPct val="150000"/>
+                </a:lnSpc>
+                <a:buFont typeface="Arial" panose="020B0604020202020204" pitchFamily="34" charset="0"/>
+                <a:buChar char="•"/>
+              </a:pPr>
+              <a:r>
+                <a:rPr lang="zh-TW" altLang="en-US" sz="1400" b="1" dirty="0">
+                  <a:latin typeface="微軟正黑體" panose="020B0604030504040204" pitchFamily="34" charset="-120"/>
+                  <a:ea typeface="微軟正黑體" panose="020B0604030504040204" pitchFamily="34" charset="-120"/>
+                </a:rPr>
+                <a:t>併網年度：</a:t>
+              </a:r>
+              <a:r>
+                <a:rPr lang="en-US" altLang="zh-TW" sz="1400" b="1" dirty="0">
+                  <a:latin typeface="微軟正黑體" panose="020B0604030504040204" pitchFamily="34" charset="-120"/>
+                  <a:ea typeface="微軟正黑體" panose="020B0604030504040204" pitchFamily="34" charset="-120"/>
+                </a:rPr>
+                <a:t>2026~2027</a:t>
+              </a:r>
+              <a:r>
+                <a:rPr lang="zh-TW" altLang="en-US" sz="1400" b="1" dirty="0">
+                  <a:latin typeface="微軟正黑體" panose="020B0604030504040204" pitchFamily="34" charset="-120"/>
+                  <a:ea typeface="微軟正黑體" panose="020B0604030504040204" pitchFamily="34" charset="-120"/>
+                </a:rPr>
+                <a:t>年</a:t>
+              </a:r>
+              <a:endParaRPr lang="en-US" altLang="zh-TW" sz="1400" b="1" dirty="0">
+                <a:latin typeface="微軟正黑體" panose="020B0604030504040204" pitchFamily="34" charset="-120"/>
+                <a:ea typeface="微軟正黑體" panose="020B0604030504040204" pitchFamily="34" charset="-120"/>
+              </a:endParaRPr>
+            </a:p>
+            <a:p>
+              <a:pPr marL="285750" indent="-285750">
+                <a:lnSpc>
+                  <a:spcPct val="150000"/>
+                </a:lnSpc>
+                <a:buFont typeface="Arial" panose="020B0604020202020204" pitchFamily="34" charset="0"/>
+                <a:buChar char="•"/>
+              </a:pPr>
+              <a:r>
+                <a:rPr lang="zh-TW" altLang="en-US" sz="1400" b="1" dirty="0">
+                  <a:latin typeface="微軟正黑體" panose="020B0604030504040204" pitchFamily="34" charset="-120"/>
+                  <a:ea typeface="微軟正黑體" panose="020B0604030504040204" pitchFamily="34" charset="-120"/>
+                </a:rPr>
+                <a:t>分配 </a:t>
+              </a:r>
+              <a:r>
+                <a:rPr lang="en-US" altLang="zh-TW" sz="1400" b="1" dirty="0">
+                  <a:latin typeface="微軟正黑體" panose="020B0604030504040204" pitchFamily="34" charset="-120"/>
+                  <a:ea typeface="微軟正黑體" panose="020B0604030504040204" pitchFamily="34" charset="-120"/>
+                </a:rPr>
+                <a:t>3GW</a:t>
+              </a:r>
+              <a:r>
+                <a:rPr lang="zh-TW" altLang="en-US" sz="1400" b="1" dirty="0">
+                  <a:latin typeface="微軟正黑體" panose="020B0604030504040204" pitchFamily="34" charset="-120"/>
+                  <a:ea typeface="微軟正黑體" panose="020B0604030504040204" pitchFamily="34" charset="-120"/>
+                </a:rPr>
+                <a:t>，</a:t>
+              </a:r>
+              <a:endParaRPr lang="en-US" altLang="zh-TW" sz="1400" b="1" dirty="0">
+                <a:latin typeface="微軟正黑體" panose="020B0604030504040204" pitchFamily="34" charset="-120"/>
+                <a:ea typeface="微軟正黑體" panose="020B0604030504040204" pitchFamily="34" charset="-120"/>
+              </a:endParaRPr>
+            </a:p>
+            <a:p>
+              <a:pPr>
+                <a:lnSpc>
+                  <a:spcPct val="150000"/>
+                </a:lnSpc>
+              </a:pPr>
+              <a:r>
+                <a:rPr lang="en-US" altLang="zh-TW" sz="1400" b="1" dirty="0">
+                  <a:latin typeface="微軟正黑體" panose="020B0604030504040204" pitchFamily="34" charset="-120"/>
+                  <a:ea typeface="微軟正黑體" panose="020B0604030504040204" pitchFamily="34" charset="-120"/>
+                </a:rPr>
+                <a:t>      </a:t>
+              </a:r>
+              <a:r>
+                <a:rPr lang="zh-TW" altLang="en-US" sz="1400" b="1" dirty="0">
+                  <a:latin typeface="微軟正黑體" panose="020B0604030504040204" pitchFamily="34" charset="-120"/>
+                  <a:ea typeface="微軟正黑體" panose="020B0604030504040204" pitchFamily="34" charset="-120"/>
+                </a:rPr>
+                <a:t>每年</a:t>
+              </a:r>
+              <a:r>
+                <a:rPr lang="en-US" altLang="zh-TW" sz="1400" b="1" dirty="0">
+                  <a:latin typeface="微軟正黑體" panose="020B0604030504040204" pitchFamily="34" charset="-120"/>
+                  <a:ea typeface="微軟正黑體" panose="020B0604030504040204" pitchFamily="34" charset="-120"/>
+                </a:rPr>
+                <a:t>1.5GW</a:t>
+              </a:r>
+            </a:p>
+          </p:txBody>
+        </p:sp>
+        <p:sp>
+          <p:nvSpPr>
+            <p:cNvPr id="20" name="文字方塊 19">
+              <a:extLst>
+                <a:ext uri="{FF2B5EF4-FFF2-40B4-BE49-F238E27FC236}">
+                  <a16:creationId xmlns:a16="http://schemas.microsoft.com/office/drawing/2014/main" id="{33B504ED-3F51-44AF-9325-7AC450FA3869}"/>
+                </a:ext>
+              </a:extLst>
+            </p:cNvPr>
+            <p:cNvSpPr txBox="1"/>
+            <p:nvPr/>
+          </p:nvSpPr>
+          <p:spPr>
+            <a:xfrm>
+              <a:off x="3058889" y="3317783"/>
+              <a:ext cx="1814889" cy="1345368"/>
+            </a:xfrm>
+            <a:prstGeom prst="rect">
+              <a:avLst/>
+            </a:prstGeom>
+            <a:noFill/>
+          </p:spPr>
+          <p:txBody>
+            <a:bodyPr wrap="square" rtlCol="0">
+              <a:spAutoFit/>
+            </a:bodyPr>
+            <a:lstStyle/>
+            <a:p>
+              <a:pPr marL="285750" indent="-285750">
+                <a:lnSpc>
+                  <a:spcPct val="150000"/>
+                </a:lnSpc>
+                <a:buFont typeface="Arial" panose="020B0604020202020204" pitchFamily="34" charset="0"/>
+                <a:buChar char="•"/>
+              </a:pPr>
+              <a:r>
+                <a:rPr lang="zh-TW" altLang="en-US" sz="1400" b="1" dirty="0">
+                  <a:latin typeface="微軟正黑體" panose="020B0604030504040204" pitchFamily="34" charset="-120"/>
+                  <a:ea typeface="微軟正黑體" panose="020B0604030504040204" pitchFamily="34" charset="-120"/>
+                </a:rPr>
+                <a:t>併網年度：</a:t>
+              </a:r>
+              <a:r>
+                <a:rPr lang="en-US" altLang="zh-TW" sz="1400" b="1" dirty="0">
+                  <a:latin typeface="微軟正黑體" panose="020B0604030504040204" pitchFamily="34" charset="-120"/>
+                  <a:ea typeface="微軟正黑體" panose="020B0604030504040204" pitchFamily="34" charset="-120"/>
+                </a:rPr>
+                <a:t>2028~2029</a:t>
+              </a:r>
+              <a:r>
+                <a:rPr lang="zh-TW" altLang="en-US" sz="1400" b="1" dirty="0">
+                  <a:latin typeface="微軟正黑體" panose="020B0604030504040204" pitchFamily="34" charset="-120"/>
+                  <a:ea typeface="微軟正黑體" panose="020B0604030504040204" pitchFamily="34" charset="-120"/>
+                </a:rPr>
+                <a:t>年</a:t>
+              </a:r>
+              <a:endParaRPr lang="en-US" altLang="zh-TW" sz="1400" b="1" dirty="0">
+                <a:latin typeface="微軟正黑體" panose="020B0604030504040204" pitchFamily="34" charset="-120"/>
+                <a:ea typeface="微軟正黑體" panose="020B0604030504040204" pitchFamily="34" charset="-120"/>
+              </a:endParaRPr>
+            </a:p>
+            <a:p>
+              <a:pPr marL="285750" indent="-285750">
+                <a:lnSpc>
+                  <a:spcPct val="150000"/>
+                </a:lnSpc>
+                <a:buFont typeface="Arial" panose="020B0604020202020204" pitchFamily="34" charset="0"/>
+                <a:buChar char="•"/>
+              </a:pPr>
+              <a:r>
+                <a:rPr lang="zh-TW" altLang="en-US" sz="1400" b="1" dirty="0">
+                  <a:latin typeface="微軟正黑體" panose="020B0604030504040204" pitchFamily="34" charset="-120"/>
+                  <a:ea typeface="微軟正黑體" panose="020B0604030504040204" pitchFamily="34" charset="-120"/>
+                </a:rPr>
+                <a:t>分配 </a:t>
+              </a:r>
+              <a:r>
+                <a:rPr lang="en-US" altLang="zh-TW" sz="1400" b="1" dirty="0">
+                  <a:latin typeface="微軟正黑體" panose="020B0604030504040204" pitchFamily="34" charset="-120"/>
+                  <a:ea typeface="微軟正黑體" panose="020B0604030504040204" pitchFamily="34" charset="-120"/>
+                </a:rPr>
+                <a:t>3GW</a:t>
+              </a:r>
+              <a:r>
+                <a:rPr lang="zh-TW" altLang="en-US" sz="1400" b="1" dirty="0">
+                  <a:latin typeface="微軟正黑體" panose="020B0604030504040204" pitchFamily="34" charset="-120"/>
+                  <a:ea typeface="微軟正黑體" panose="020B0604030504040204" pitchFamily="34" charset="-120"/>
+                </a:rPr>
+                <a:t>，</a:t>
+              </a:r>
+              <a:endParaRPr lang="en-US" altLang="zh-TW" sz="1400" b="1" dirty="0">
+                <a:latin typeface="微軟正黑體" panose="020B0604030504040204" pitchFamily="34" charset="-120"/>
+                <a:ea typeface="微軟正黑體" panose="020B0604030504040204" pitchFamily="34" charset="-120"/>
+              </a:endParaRPr>
+            </a:p>
+            <a:p>
+              <a:pPr>
+                <a:lnSpc>
+                  <a:spcPct val="150000"/>
+                </a:lnSpc>
+              </a:pPr>
+              <a:r>
+                <a:rPr lang="en-US" altLang="zh-TW" sz="1400" b="1" dirty="0">
+                  <a:latin typeface="微軟正黑體" panose="020B0604030504040204" pitchFamily="34" charset="-120"/>
+                  <a:ea typeface="微軟正黑體" panose="020B0604030504040204" pitchFamily="34" charset="-120"/>
+                </a:rPr>
+                <a:t>      </a:t>
+              </a:r>
+              <a:r>
+                <a:rPr lang="zh-TW" altLang="en-US" sz="1400" b="1" dirty="0">
+                  <a:latin typeface="微軟正黑體" panose="020B0604030504040204" pitchFamily="34" charset="-120"/>
+                  <a:ea typeface="微軟正黑體" panose="020B0604030504040204" pitchFamily="34" charset="-120"/>
+                </a:rPr>
+                <a:t>每年</a:t>
+              </a:r>
+              <a:r>
+                <a:rPr lang="en-US" altLang="zh-TW" sz="1400" b="1" dirty="0">
+                  <a:latin typeface="微軟正黑體" panose="020B0604030504040204" pitchFamily="34" charset="-120"/>
+                  <a:ea typeface="微軟正黑體" panose="020B0604030504040204" pitchFamily="34" charset="-120"/>
+                </a:rPr>
+                <a:t>1.5GW</a:t>
+              </a:r>
+            </a:p>
+          </p:txBody>
+        </p:sp>
+        <p:sp>
+          <p:nvSpPr>
+            <p:cNvPr id="21" name="文字方塊 20">
+              <a:extLst>
+                <a:ext uri="{FF2B5EF4-FFF2-40B4-BE49-F238E27FC236}">
+                  <a16:creationId xmlns:a16="http://schemas.microsoft.com/office/drawing/2014/main" id="{B5849B4E-21AE-40F7-AF09-7BDBD9B98DED}"/>
+                </a:ext>
+              </a:extLst>
+            </p:cNvPr>
+            <p:cNvSpPr txBox="1"/>
+            <p:nvPr/>
+          </p:nvSpPr>
+          <p:spPr>
+            <a:xfrm>
+              <a:off x="5037671" y="3317783"/>
+              <a:ext cx="1814889" cy="1345368"/>
+            </a:xfrm>
+            <a:prstGeom prst="rect">
+              <a:avLst/>
+            </a:prstGeom>
+            <a:noFill/>
+          </p:spPr>
+          <p:txBody>
+            <a:bodyPr wrap="square" rtlCol="0">
+              <a:spAutoFit/>
+            </a:bodyPr>
+            <a:lstStyle/>
+            <a:p>
+              <a:pPr marL="285750" indent="-285750">
+                <a:lnSpc>
+                  <a:spcPct val="150000"/>
+                </a:lnSpc>
+                <a:buFont typeface="Arial" panose="020B0604020202020204" pitchFamily="34" charset="0"/>
+                <a:buChar char="•"/>
+              </a:pPr>
+              <a:r>
+                <a:rPr lang="zh-TW" altLang="en-US" sz="1400" b="1" dirty="0">
+                  <a:latin typeface="微軟正黑體" panose="020B0604030504040204" pitchFamily="34" charset="-120"/>
+                  <a:ea typeface="微軟正黑體" panose="020B0604030504040204" pitchFamily="34" charset="-120"/>
+                </a:rPr>
+                <a:t>併網年度：</a:t>
+              </a:r>
+              <a:r>
+                <a:rPr lang="en-US" altLang="zh-TW" sz="1400" b="1" dirty="0">
+                  <a:latin typeface="微軟正黑體" panose="020B0604030504040204" pitchFamily="34" charset="-120"/>
+                  <a:ea typeface="微軟正黑體" panose="020B0604030504040204" pitchFamily="34" charset="-120"/>
+                </a:rPr>
+                <a:t>2030~2031</a:t>
+              </a:r>
+              <a:r>
+                <a:rPr lang="zh-TW" altLang="en-US" sz="1400" b="1" dirty="0">
+                  <a:latin typeface="微軟正黑體" panose="020B0604030504040204" pitchFamily="34" charset="-120"/>
+                  <a:ea typeface="微軟正黑體" panose="020B0604030504040204" pitchFamily="34" charset="-120"/>
+                </a:rPr>
+                <a:t>年</a:t>
+              </a:r>
+              <a:endParaRPr lang="en-US" altLang="zh-TW" sz="1400" b="1" dirty="0">
+                <a:latin typeface="微軟正黑體" panose="020B0604030504040204" pitchFamily="34" charset="-120"/>
+                <a:ea typeface="微軟正黑體" panose="020B0604030504040204" pitchFamily="34" charset="-120"/>
+              </a:endParaRPr>
+            </a:p>
+            <a:p>
+              <a:pPr marL="285750" indent="-285750">
+                <a:lnSpc>
+                  <a:spcPct val="150000"/>
+                </a:lnSpc>
+                <a:buFont typeface="Arial" panose="020B0604020202020204" pitchFamily="34" charset="0"/>
+                <a:buChar char="•"/>
+              </a:pPr>
+              <a:r>
+                <a:rPr lang="zh-TW" altLang="en-US" sz="1400" b="1" dirty="0">
+                  <a:latin typeface="微軟正黑體" panose="020B0604030504040204" pitchFamily="34" charset="-120"/>
+                  <a:ea typeface="微軟正黑體" panose="020B0604030504040204" pitchFamily="34" charset="-120"/>
+                </a:rPr>
+                <a:t>分配 </a:t>
+              </a:r>
+              <a:r>
+                <a:rPr lang="en-US" altLang="zh-TW" sz="1400" b="1" dirty="0">
+                  <a:latin typeface="微軟正黑體" panose="020B0604030504040204" pitchFamily="34" charset="-120"/>
+                  <a:ea typeface="微軟正黑體" panose="020B0604030504040204" pitchFamily="34" charset="-120"/>
+                </a:rPr>
+                <a:t>3GW</a:t>
+              </a:r>
+              <a:r>
+                <a:rPr lang="zh-TW" altLang="en-US" sz="1400" b="1" dirty="0">
+                  <a:latin typeface="微軟正黑體" panose="020B0604030504040204" pitchFamily="34" charset="-120"/>
+                  <a:ea typeface="微軟正黑體" panose="020B0604030504040204" pitchFamily="34" charset="-120"/>
+                </a:rPr>
+                <a:t>，</a:t>
+              </a:r>
+              <a:endParaRPr lang="en-US" altLang="zh-TW" sz="1400" b="1" dirty="0">
+                <a:latin typeface="微軟正黑體" panose="020B0604030504040204" pitchFamily="34" charset="-120"/>
+                <a:ea typeface="微軟正黑體" panose="020B0604030504040204" pitchFamily="34" charset="-120"/>
+              </a:endParaRPr>
+            </a:p>
+            <a:p>
+              <a:pPr>
+                <a:lnSpc>
+                  <a:spcPct val="150000"/>
+                </a:lnSpc>
+              </a:pPr>
+              <a:r>
+                <a:rPr lang="en-US" altLang="zh-TW" sz="1400" b="1" dirty="0">
+                  <a:latin typeface="微軟正黑體" panose="020B0604030504040204" pitchFamily="34" charset="-120"/>
+                  <a:ea typeface="微軟正黑體" panose="020B0604030504040204" pitchFamily="34" charset="-120"/>
+                </a:rPr>
+                <a:t>      </a:t>
+              </a:r>
+              <a:r>
+                <a:rPr lang="zh-TW" altLang="en-US" sz="1400" b="1" dirty="0">
+                  <a:latin typeface="微軟正黑體" panose="020B0604030504040204" pitchFamily="34" charset="-120"/>
+                  <a:ea typeface="微軟正黑體" panose="020B0604030504040204" pitchFamily="34" charset="-120"/>
+                </a:rPr>
+                <a:t>每年</a:t>
+              </a:r>
+              <a:r>
+                <a:rPr lang="en-US" altLang="zh-TW" sz="1400" b="1" dirty="0">
+                  <a:latin typeface="微軟正黑體" panose="020B0604030504040204" pitchFamily="34" charset="-120"/>
+                  <a:ea typeface="微軟正黑體" panose="020B0604030504040204" pitchFamily="34" charset="-120"/>
+                </a:rPr>
+                <a:t>1.5GW</a:t>
+              </a:r>
+            </a:p>
+          </p:txBody>
+        </p:sp>
+        <p:sp>
+          <p:nvSpPr>
+            <p:cNvPr id="23" name="文字方塊 22">
+              <a:extLst>
+                <a:ext uri="{FF2B5EF4-FFF2-40B4-BE49-F238E27FC236}">
+                  <a16:creationId xmlns:a16="http://schemas.microsoft.com/office/drawing/2014/main" id="{905167FD-55DC-4F10-9B6A-73AF152B348A}"/>
+                </a:ext>
+              </a:extLst>
+            </p:cNvPr>
+            <p:cNvSpPr txBox="1"/>
+            <p:nvPr/>
+          </p:nvSpPr>
+          <p:spPr>
+            <a:xfrm>
+              <a:off x="1126066" y="4907243"/>
+              <a:ext cx="4451860" cy="276999"/>
+            </a:xfrm>
+            <a:prstGeom prst="rect">
+              <a:avLst/>
+            </a:prstGeom>
+            <a:noFill/>
+          </p:spPr>
+          <p:txBody>
+            <a:bodyPr wrap="none" rtlCol="0">
+              <a:spAutoFit/>
+            </a:bodyPr>
+            <a:lstStyle/>
+            <a:p>
+              <a:r>
+                <a:rPr lang="en-US" altLang="zh-TW" sz="1200" b="1" dirty="0">
+                  <a:solidFill>
+                    <a:schemeClr val="bg1"/>
+                  </a:solidFill>
+                  <a:latin typeface="微軟正黑體" panose="020B0604030504040204" pitchFamily="34" charset="-120"/>
+                  <a:ea typeface="微軟正黑體" panose="020B0604030504040204" pitchFamily="34" charset="-120"/>
+                </a:rPr>
+                <a:t>*</a:t>
+              </a:r>
+              <a:r>
+                <a:rPr lang="zh-TW" altLang="en-US" sz="1200" b="1" dirty="0">
+                  <a:solidFill>
+                    <a:schemeClr val="bg1"/>
+                  </a:solidFill>
+                  <a:latin typeface="微軟正黑體" panose="020B0604030504040204" pitchFamily="34" charset="-120"/>
+                  <a:ea typeface="微軟正黑體" panose="020B0604030504040204" pitchFamily="34" charset="-120"/>
+                </a:rPr>
+                <a:t> 經濟部得視第一期辦理情形，滾動檢討二、三期選商作業規劃</a:t>
+              </a:r>
+            </a:p>
+          </p:txBody>
+        </p:sp>
+        <p:sp>
+          <p:nvSpPr>
+            <p:cNvPr id="3" name="等腰三角形 2">
+              <a:extLst>
+                <a:ext uri="{FF2B5EF4-FFF2-40B4-BE49-F238E27FC236}">
+                  <a16:creationId xmlns:a16="http://schemas.microsoft.com/office/drawing/2014/main" id="{7EB46496-33FA-4586-B869-096909147DDB}"/>
+                </a:ext>
+              </a:extLst>
+            </p:cNvPr>
+            <p:cNvSpPr/>
+            <p:nvPr/>
+          </p:nvSpPr>
+          <p:spPr>
+            <a:xfrm rot="5400000">
+              <a:off x="6950797" y="3829601"/>
+              <a:ext cx="373210" cy="321733"/>
+            </a:xfrm>
+            <a:prstGeom prst="triangle">
+              <a:avLst/>
+            </a:prstGeom>
+            <a:solidFill>
+              <a:srgbClr val="C00000"/>
+            </a:solidFill>
+            <a:ln>
+              <a:noFill/>
+            </a:ln>
+          </p:spPr>
+          <p:style>
+            <a:lnRef idx="2">
+              <a:schemeClr val="accent1">
+                <a:shade val="50000"/>
+              </a:schemeClr>
+            </a:lnRef>
+            <a:fillRef idx="1">
+              <a:schemeClr val="accent1"/>
+            </a:fillRef>
+            <a:effectRef idx="0">
+              <a:schemeClr val="accent1"/>
+            </a:effectRef>
+            <a:fontRef idx="minor">
+              <a:schemeClr val="lt1"/>
+            </a:fontRef>
+          </p:style>
+          <p:txBody>
+            <a:bodyPr rtlCol="0" anchor="ctr"/>
+            <a:lstStyle/>
+            <a:p>
+              <a:pPr algn="ctr"/>
+              <a:endParaRPr lang="zh-TW" altLang="en-US" dirty="0">
+                <a:solidFill>
+                  <a:srgbClr val="FF0000"/>
+                </a:solidFill>
+              </a:endParaRPr>
+            </a:p>
+          </p:txBody>
+        </p:sp>
+        <p:sp>
+          <p:nvSpPr>
+            <p:cNvPr id="27" name="矩形: 圓角 26">
+              <a:extLst>
+                <a:ext uri="{FF2B5EF4-FFF2-40B4-BE49-F238E27FC236}">
+                  <a16:creationId xmlns:a16="http://schemas.microsoft.com/office/drawing/2014/main" id="{88E2844C-99AD-4800-A258-A9B941A037C0}"/>
+                </a:ext>
+              </a:extLst>
+            </p:cNvPr>
+            <p:cNvSpPr/>
+            <p:nvPr/>
+          </p:nvSpPr>
+          <p:spPr>
+            <a:xfrm>
+              <a:off x="1016000" y="931908"/>
+              <a:ext cx="9651999" cy="736600"/>
+            </a:xfrm>
+            <a:prstGeom prst="roundRect">
+              <a:avLst/>
+            </a:prstGeom>
+            <a:solidFill>
+              <a:srgbClr val="FFC000"/>
+            </a:solidFill>
+            <a:ln>
+              <a:noFill/>
+            </a:ln>
+          </p:spPr>
+          <p:style>
+            <a:lnRef idx="2">
+              <a:schemeClr val="accent1">
+                <a:shade val="50000"/>
+              </a:schemeClr>
+            </a:lnRef>
+            <a:fillRef idx="1">
+              <a:schemeClr val="accent1"/>
+            </a:fillRef>
+            <a:effectRef idx="0">
+              <a:schemeClr val="accent1"/>
+            </a:effectRef>
+            <a:fontRef idx="minor">
+              <a:schemeClr val="lt1"/>
+            </a:fontRef>
+          </p:style>
+          <p:txBody>
+            <a:bodyPr rtlCol="0" anchor="ctr"/>
+            <a:lstStyle/>
+            <a:p>
+              <a:pPr algn="ctr"/>
+              <a:r>
+                <a:rPr lang="en-US" altLang="zh-TW" b="1" dirty="0">
+                  <a:solidFill>
+                    <a:schemeClr val="tx1">
+                      <a:lumMod val="65000"/>
+                      <a:lumOff val="35000"/>
+                    </a:schemeClr>
+                  </a:solidFill>
+                  <a:latin typeface="微軟正黑體" panose="020B0604030504040204" pitchFamily="34" charset="-120"/>
+                  <a:ea typeface="微軟正黑體" panose="020B0604030504040204" pitchFamily="34" charset="-120"/>
+                </a:rPr>
+                <a:t>2026~2035</a:t>
+              </a:r>
+              <a:r>
+                <a:rPr lang="zh-TW" altLang="en-US" b="1" dirty="0">
+                  <a:solidFill>
+                    <a:schemeClr val="tx1">
+                      <a:lumMod val="65000"/>
+                      <a:lumOff val="35000"/>
+                    </a:schemeClr>
+                  </a:solidFill>
+                  <a:latin typeface="微軟正黑體" panose="020B0604030504040204" pitchFamily="34" charset="-120"/>
+                  <a:ea typeface="微軟正黑體" panose="020B0604030504040204" pitchFamily="34" charset="-120"/>
+                </a:rPr>
+                <a:t>年 總量 </a:t>
+              </a:r>
+              <a:r>
+                <a:rPr lang="en-US" altLang="zh-TW" b="1" dirty="0">
+                  <a:solidFill>
+                    <a:schemeClr val="tx1">
+                      <a:lumMod val="65000"/>
+                      <a:lumOff val="35000"/>
+                    </a:schemeClr>
+                  </a:solidFill>
+                  <a:latin typeface="微軟正黑體" panose="020B0604030504040204" pitchFamily="34" charset="-120"/>
+                  <a:ea typeface="微軟正黑體" panose="020B0604030504040204" pitchFamily="34" charset="-120"/>
+                </a:rPr>
+                <a:t>15GW</a:t>
+              </a:r>
+            </a:p>
+            <a:p>
+              <a:pPr algn="ctr"/>
+              <a:r>
+                <a:rPr lang="zh-TW" altLang="en-US" b="1" dirty="0">
+                  <a:solidFill>
+                    <a:schemeClr val="tx1">
+                      <a:lumMod val="65000"/>
+                      <a:lumOff val="35000"/>
+                    </a:schemeClr>
+                  </a:solidFill>
+                  <a:latin typeface="微軟正黑體" panose="020B0604030504040204" pitchFamily="34" charset="-120"/>
+                  <a:ea typeface="微軟正黑體" panose="020B0604030504040204" pitchFamily="34" charset="-120"/>
+                </a:rPr>
+                <a:t>先履約能力審查，後競價程序</a:t>
+              </a:r>
+            </a:p>
+          </p:txBody>
+        </p:sp>
+        <p:grpSp>
+          <p:nvGrpSpPr>
+            <p:cNvPr id="11" name="群組 10">
+              <a:extLst>
+                <a:ext uri="{FF2B5EF4-FFF2-40B4-BE49-F238E27FC236}">
+                  <a16:creationId xmlns:a16="http://schemas.microsoft.com/office/drawing/2014/main" id="{BAD3073E-4579-48FE-A949-F000317E720E}"/>
+                </a:ext>
+              </a:extLst>
+            </p:cNvPr>
+            <p:cNvGrpSpPr/>
+            <p:nvPr/>
+          </p:nvGrpSpPr>
+          <p:grpSpPr>
+            <a:xfrm>
+              <a:off x="1053012" y="2646689"/>
+              <a:ext cx="400110" cy="365670"/>
+              <a:chOff x="415894" y="1307646"/>
+              <a:chExt cx="400110" cy="365670"/>
+            </a:xfrm>
+          </p:grpSpPr>
+          <p:sp>
+            <p:nvSpPr>
+              <p:cNvPr id="7" name="橢圓 6">
+                <a:extLst>
+                  <a:ext uri="{FF2B5EF4-FFF2-40B4-BE49-F238E27FC236}">
+                    <a16:creationId xmlns:a16="http://schemas.microsoft.com/office/drawing/2014/main" id="{9C868F9A-D798-4812-80FD-80AB8E264F1C}"/>
+                  </a:ext>
+                </a:extLst>
+              </p:cNvPr>
+              <p:cNvSpPr/>
+              <p:nvPr/>
+            </p:nvSpPr>
+            <p:spPr>
+              <a:xfrm>
+                <a:off x="434943" y="1307646"/>
+                <a:ext cx="343726" cy="343726"/>
+              </a:xfrm>
+              <a:prstGeom prst="ellipse">
+                <a:avLst/>
+              </a:prstGeom>
+              <a:solidFill>
+                <a:schemeClr val="bg1">
+                  <a:lumMod val="95000"/>
+                </a:schemeClr>
+              </a:solidFill>
+              <a:ln>
+                <a:noFill/>
+              </a:ln>
+            </p:spPr>
+            <p:style>
+              <a:lnRef idx="2">
+                <a:schemeClr val="accent1">
+                  <a:shade val="50000"/>
+                </a:schemeClr>
+              </a:lnRef>
+              <a:fillRef idx="1">
+                <a:schemeClr val="accent1"/>
+              </a:fillRef>
+              <a:effectRef idx="0">
+                <a:schemeClr val="accent1"/>
+              </a:effectRef>
+              <a:fontRef idx="minor">
+                <a:schemeClr val="lt1"/>
+              </a:fontRef>
+            </p:style>
+            <p:txBody>
+              <a:bodyPr rtlCol="0" anchor="ctr"/>
+              <a:lstStyle/>
+              <a:p>
+                <a:pPr algn="ctr"/>
+                <a:endParaRPr lang="zh-TW" altLang="en-US" dirty="0"/>
+              </a:p>
+            </p:txBody>
+          </p:sp>
+          <p:sp>
+            <p:nvSpPr>
+              <p:cNvPr id="9" name="文字方塊 8">
+                <a:extLst>
+                  <a:ext uri="{FF2B5EF4-FFF2-40B4-BE49-F238E27FC236}">
+                    <a16:creationId xmlns:a16="http://schemas.microsoft.com/office/drawing/2014/main" id="{4344A554-9AA6-4FCF-BAF9-CB59BB5070B6}"/>
+                  </a:ext>
+                </a:extLst>
+              </p:cNvPr>
+              <p:cNvSpPr txBox="1"/>
+              <p:nvPr/>
+            </p:nvSpPr>
+            <p:spPr>
+              <a:xfrm rot="5400000">
+                <a:off x="446449" y="1303762"/>
+                <a:ext cx="338999" cy="400110"/>
+              </a:xfrm>
+              <a:prstGeom prst="rect">
+                <a:avLst/>
+              </a:prstGeom>
+              <a:noFill/>
+            </p:spPr>
+            <p:txBody>
+              <a:bodyPr wrap="square" rtlCol="0">
+                <a:spAutoFit/>
+              </a:bodyPr>
+              <a:lstStyle/>
+              <a:p>
+                <a:r>
+                  <a:rPr lang="en-US" altLang="zh-TW" sz="2000" b="1" dirty="0">
+                    <a:solidFill>
+                      <a:schemeClr val="tx1">
+                        <a:lumMod val="75000"/>
+                        <a:lumOff val="25000"/>
+                      </a:schemeClr>
+                    </a:solidFill>
+                  </a:rPr>
+                  <a:t>&gt;</a:t>
+                </a:r>
+                <a:endParaRPr lang="zh-TW" altLang="en-US" sz="2000" b="1" dirty="0">
+                  <a:solidFill>
+                    <a:schemeClr val="tx1">
+                      <a:lumMod val="75000"/>
+                      <a:lumOff val="25000"/>
+                    </a:schemeClr>
+                  </a:solidFill>
+                </a:endParaRPr>
+              </a:p>
+            </p:txBody>
+          </p:sp>
+        </p:grpSp>
+      </p:grpSp>
+    </p:spTree>
+    <p:extLst>
+      <p:ext uri="{BB962C8B-B14F-4D97-AF65-F5344CB8AC3E}">
+        <p14:creationId xmlns:p14="http://schemas.microsoft.com/office/powerpoint/2010/main" val="384562441"/>
+      </p:ext>
+    </p:extLst>
+  </p:cSld>
+  <p:clrMapOvr>
+    <a:masterClrMapping/>
+  </p:clrMapOvr>
+</p:sld>
+</file>
+
 <file path=ppt/theme/theme1.xml><?xml version="1.0" encoding="utf-8"?>
 <a:theme xmlns:a="http://schemas.openxmlformats.org/drawingml/2006/main" name="Office 佈景主題">
   <a:themeElements>
